--- a/Capstone Project 1/Data Story Capstone Project 1.pptx
+++ b/Capstone Project 1/Data Story Capstone Project 1.pptx
@@ -12,6 +12,8 @@
     <p:sldId id="257" r:id="rId6"/>
     <p:sldId id="261" r:id="rId7"/>
     <p:sldId id="262" r:id="rId8"/>
+    <p:sldId id="263" r:id="rId9"/>
+    <p:sldId id="264" r:id="rId10"/>
   </p:sldIdLst>
   <p:sldSz cx="12192000" cy="6858000"/>
   <p:notesSz cx="6858000" cy="9144000"/>
@@ -116,6 +118,14 @@
     </p:ext>
   </p:extLst>
 </p:presentation>
+</file>
+
+<file path=ppt/revisionInfo.xml><?xml version="1.0" encoding="utf-8"?>
+<p1510:revInfo xmlns:a="http://schemas.openxmlformats.org/drawingml/2006/main" xmlns:r="http://schemas.openxmlformats.org/officeDocument/2006/relationships" xmlns:p1510="http://schemas.microsoft.com/office/powerpoint/2015/10/main">
+  <p1510:revLst>
+    <p1510:client id="{CC0F48B4-F7B9-4A4B-8630-B71B5F262A25}" v="8" dt="2020-05-18T19:55:38.106"/>
+  </p1510:revLst>
+</p1510:revInfo>
 </file>
 
 <file path=ppt/changesInfos/changesInfo1.xml><?xml version="1.0" encoding="utf-8"?>
@@ -224,8 +234,8 @@
   </pc:docChgLst>
   <pc:docChgLst>
     <pc:chgData name="Gaurang Bhatia" userId="7bdbbb73232cd34e" providerId="LiveId" clId="{CC0F48B4-F7B9-4A4B-8630-B71B5F262A25}"/>
-    <pc:docChg chg="custSel addSld delSld modSld sldOrd">
-      <pc:chgData name="Gaurang Bhatia" userId="7bdbbb73232cd34e" providerId="LiveId" clId="{CC0F48B4-F7B9-4A4B-8630-B71B5F262A25}" dt="2020-05-08T19:54:04.131" v="1846" actId="20577"/>
+    <pc:docChg chg="undo custSel addSld delSld modSld sldOrd">
+      <pc:chgData name="Gaurang Bhatia" userId="7bdbbb73232cd34e" providerId="LiveId" clId="{CC0F48B4-F7B9-4A4B-8630-B71B5F262A25}" dt="2020-05-18T19:55:49.238" v="2155" actId="14100"/>
       <pc:docMkLst>
         <pc:docMk/>
       </pc:docMkLst>
@@ -297,8 +307,8 @@
           </ac:spMkLst>
         </pc:spChg>
       </pc:sldChg>
-      <pc:sldChg chg="modSp add">
-        <pc:chgData name="Gaurang Bhatia" userId="7bdbbb73232cd34e" providerId="LiveId" clId="{CC0F48B4-F7B9-4A4B-8630-B71B5F262A25}" dt="2020-05-08T19:42:11.008" v="1443" actId="20577"/>
+      <pc:sldChg chg="modSp add mod">
+        <pc:chgData name="Gaurang Bhatia" userId="7bdbbb73232cd34e" providerId="LiveId" clId="{CC0F48B4-F7B9-4A4B-8630-B71B5F262A25}" dt="2020-05-18T19:20:39.072" v="1847" actId="6549"/>
         <pc:sldMkLst>
           <pc:docMk/>
           <pc:sldMk cId="2614051917" sldId="259"/>
@@ -312,7 +322,7 @@
           </ac:spMkLst>
         </pc:spChg>
         <pc:spChg chg="mod">
-          <ac:chgData name="Gaurang Bhatia" userId="7bdbbb73232cd34e" providerId="LiveId" clId="{CC0F48B4-F7B9-4A4B-8630-B71B5F262A25}" dt="2020-05-08T19:42:11.008" v="1443" actId="20577"/>
+          <ac:chgData name="Gaurang Bhatia" userId="7bdbbb73232cd34e" providerId="LiveId" clId="{CC0F48B4-F7B9-4A4B-8630-B71B5F262A25}" dt="2020-05-18T19:20:39.072" v="1847" actId="6549"/>
           <ac:spMkLst>
             <pc:docMk/>
             <pc:sldMk cId="2614051917" sldId="259"/>
@@ -359,6 +369,131 @@
           </ac:picMkLst>
         </pc:picChg>
       </pc:sldChg>
+      <pc:sldChg chg="modSp mod">
+        <pc:chgData name="Gaurang Bhatia" userId="7bdbbb73232cd34e" providerId="LiveId" clId="{CC0F48B4-F7B9-4A4B-8630-B71B5F262A25}" dt="2020-05-18T19:48:22.811" v="2055" actId="1076"/>
+        <pc:sldMkLst>
+          <pc:docMk/>
+          <pc:sldMk cId="1876589771" sldId="262"/>
+        </pc:sldMkLst>
+        <pc:picChg chg="mod">
+          <ac:chgData name="Gaurang Bhatia" userId="7bdbbb73232cd34e" providerId="LiveId" clId="{CC0F48B4-F7B9-4A4B-8630-B71B5F262A25}" dt="2020-05-18T19:48:22.811" v="2055" actId="1076"/>
+          <ac:picMkLst>
+            <pc:docMk/>
+            <pc:sldMk cId="1876589771" sldId="262"/>
+            <ac:picMk id="8" creationId="{2A1E7AEF-1B48-D24F-B929-550532B95189}"/>
+          </ac:picMkLst>
+        </pc:picChg>
+      </pc:sldChg>
+      <pc:sldChg chg="addSp delSp modSp new mod">
+        <pc:chgData name="Gaurang Bhatia" userId="7bdbbb73232cd34e" providerId="LiveId" clId="{CC0F48B4-F7B9-4A4B-8630-B71B5F262A25}" dt="2020-05-18T19:47:04.426" v="2053" actId="20577"/>
+        <pc:sldMkLst>
+          <pc:docMk/>
+          <pc:sldMk cId="750143834" sldId="263"/>
+        </pc:sldMkLst>
+        <pc:spChg chg="mod">
+          <ac:chgData name="Gaurang Bhatia" userId="7bdbbb73232cd34e" providerId="LiveId" clId="{CC0F48B4-F7B9-4A4B-8630-B71B5F262A25}" dt="2020-05-18T19:21:39.329" v="1937" actId="20577"/>
+          <ac:spMkLst>
+            <pc:docMk/>
+            <pc:sldMk cId="750143834" sldId="263"/>
+            <ac:spMk id="2" creationId="{F640F772-5792-4333-80B5-64BB39365E98}"/>
+          </ac:spMkLst>
+        </pc:spChg>
+        <pc:spChg chg="del">
+          <ac:chgData name="Gaurang Bhatia" userId="7bdbbb73232cd34e" providerId="LiveId" clId="{CC0F48B4-F7B9-4A4B-8630-B71B5F262A25}" dt="2020-05-18T19:44:16.723" v="1938" actId="931"/>
+          <ac:spMkLst>
+            <pc:docMk/>
+            <pc:sldMk cId="750143834" sldId="263"/>
+            <ac:spMk id="3" creationId="{E609D4A4-CF88-4478-9A56-D5C5E2DF9645}"/>
+          </ac:spMkLst>
+        </pc:spChg>
+        <pc:spChg chg="add mod">
+          <ac:chgData name="Gaurang Bhatia" userId="7bdbbb73232cd34e" providerId="LiveId" clId="{CC0F48B4-F7B9-4A4B-8630-B71B5F262A25}" dt="2020-05-18T19:47:04.426" v="2053" actId="20577"/>
+          <ac:spMkLst>
+            <pc:docMk/>
+            <pc:sldMk cId="750143834" sldId="263"/>
+            <ac:spMk id="7" creationId="{3B74B8BE-2E52-428A-A7D2-70BA6AD01B6C}"/>
+          </ac:spMkLst>
+        </pc:spChg>
+        <pc:picChg chg="add del mod">
+          <ac:chgData name="Gaurang Bhatia" userId="7bdbbb73232cd34e" providerId="LiveId" clId="{CC0F48B4-F7B9-4A4B-8630-B71B5F262A25}" dt="2020-05-18T19:44:31.432" v="1943" actId="478"/>
+          <ac:picMkLst>
+            <pc:docMk/>
+            <pc:sldMk cId="750143834" sldId="263"/>
+            <ac:picMk id="5" creationId="{5E596EF3-4CFD-442D-8642-538D12BBD778}"/>
+          </ac:picMkLst>
+        </pc:picChg>
+        <pc:picChg chg="add mod">
+          <ac:chgData name="Gaurang Bhatia" userId="7bdbbb73232cd34e" providerId="LiveId" clId="{CC0F48B4-F7B9-4A4B-8630-B71B5F262A25}" dt="2020-05-18T19:45:59.256" v="2009" actId="14100"/>
+          <ac:picMkLst>
+            <pc:docMk/>
+            <pc:sldMk cId="750143834" sldId="263"/>
+            <ac:picMk id="9" creationId="{ABD32F4F-CA3A-4CA8-B31A-AA1159465EE7}"/>
+          </ac:picMkLst>
+        </pc:picChg>
+      </pc:sldChg>
+      <pc:sldChg chg="addSp modSp new mod">
+        <pc:chgData name="Gaurang Bhatia" userId="7bdbbb73232cd34e" providerId="LiveId" clId="{CC0F48B4-F7B9-4A4B-8630-B71B5F262A25}" dt="2020-05-18T19:55:49.238" v="2155" actId="14100"/>
+        <pc:sldMkLst>
+          <pc:docMk/>
+          <pc:sldMk cId="2052646557" sldId="264"/>
+        </pc:sldMkLst>
+        <pc:spChg chg="mod">
+          <ac:chgData name="Gaurang Bhatia" userId="7bdbbb73232cd34e" providerId="LiveId" clId="{CC0F48B4-F7B9-4A4B-8630-B71B5F262A25}" dt="2020-05-18T19:46:37.344" v="2017" actId="20577"/>
+          <ac:spMkLst>
+            <pc:docMk/>
+            <pc:sldMk cId="2052646557" sldId="264"/>
+            <ac:spMk id="2" creationId="{EF12E38C-471B-46BD-8D8E-BCA4FD803B17}"/>
+          </ac:spMkLst>
+        </pc:spChg>
+        <pc:spChg chg="mod">
+          <ac:chgData name="Gaurang Bhatia" userId="7bdbbb73232cd34e" providerId="LiveId" clId="{CC0F48B4-F7B9-4A4B-8630-B71B5F262A25}" dt="2020-05-18T19:48:47.154" v="2120" actId="6549"/>
+          <ac:spMkLst>
+            <pc:docMk/>
+            <pc:sldMk cId="2052646557" sldId="264"/>
+            <ac:spMk id="3" creationId="{92C2DD75-BF1F-4686-8A4B-87123DE2A063}"/>
+          </ac:spMkLst>
+        </pc:spChg>
+        <pc:picChg chg="add mod">
+          <ac:chgData name="Gaurang Bhatia" userId="7bdbbb73232cd34e" providerId="LiveId" clId="{CC0F48B4-F7B9-4A4B-8630-B71B5F262A25}" dt="2020-05-18T19:50:43.870" v="2124" actId="27614"/>
+          <ac:picMkLst>
+            <pc:docMk/>
+            <pc:sldMk cId="2052646557" sldId="264"/>
+            <ac:picMk id="5" creationId="{7D2DE3EE-440D-4F52-9AEE-96A4401756A7}"/>
+          </ac:picMkLst>
+        </pc:picChg>
+        <pc:picChg chg="add mod">
+          <ac:chgData name="Gaurang Bhatia" userId="7bdbbb73232cd34e" providerId="LiveId" clId="{CC0F48B4-F7B9-4A4B-8630-B71B5F262A25}" dt="2020-05-18T19:51:42.502" v="2131" actId="1076"/>
+          <ac:picMkLst>
+            <pc:docMk/>
+            <pc:sldMk cId="2052646557" sldId="264"/>
+            <ac:picMk id="7" creationId="{A0456650-ACF5-4FFC-BEB3-A0A7886339FB}"/>
+          </ac:picMkLst>
+        </pc:picChg>
+        <pc:picChg chg="add mod">
+          <ac:chgData name="Gaurang Bhatia" userId="7bdbbb73232cd34e" providerId="LiveId" clId="{CC0F48B4-F7B9-4A4B-8630-B71B5F262A25}" dt="2020-05-18T19:52:51.019" v="2139" actId="1076"/>
+          <ac:picMkLst>
+            <pc:docMk/>
+            <pc:sldMk cId="2052646557" sldId="264"/>
+            <ac:picMk id="9" creationId="{9C3E9AFB-96B2-4D24-A576-C6D4FB5EF85D}"/>
+          </ac:picMkLst>
+        </pc:picChg>
+        <pc:picChg chg="add mod">
+          <ac:chgData name="Gaurang Bhatia" userId="7bdbbb73232cd34e" providerId="LiveId" clId="{CC0F48B4-F7B9-4A4B-8630-B71B5F262A25}" dt="2020-05-18T19:55:26.154" v="2150" actId="14100"/>
+          <ac:picMkLst>
+            <pc:docMk/>
+            <pc:sldMk cId="2052646557" sldId="264"/>
+            <ac:picMk id="11" creationId="{0363FC7B-68C5-497B-8855-C3DA1DE709C0}"/>
+          </ac:picMkLst>
+        </pc:picChg>
+        <pc:picChg chg="add mod">
+          <ac:chgData name="Gaurang Bhatia" userId="7bdbbb73232cd34e" providerId="LiveId" clId="{CC0F48B4-F7B9-4A4B-8630-B71B5F262A25}" dt="2020-05-18T19:55:49.238" v="2155" actId="14100"/>
+          <ac:picMkLst>
+            <pc:docMk/>
+            <pc:sldMk cId="2052646557" sldId="264"/>
+            <ac:picMk id="13" creationId="{863265BC-128D-4CB2-899B-5181A86B73A9}"/>
+          </ac:picMkLst>
+        </pc:picChg>
+      </pc:sldChg>
     </pc:docChg>
   </pc:docChgLst>
 </pc:chgInfo>
@@ -513,7 +648,7 @@
           <a:p>
             <a:fld id="{B1477D7A-23E3-40F1-A159-7898D9412823}" type="datetimeFigureOut">
               <a:rPr lang="en-IN" smtClean="0"/>
-              <a:t>11-05-2020</a:t>
+              <a:t>19-05-2020</a:t>
             </a:fld>
             <a:endParaRPr lang="en-IN"/>
           </a:p>
@@ -713,7 +848,7 @@
           <a:p>
             <a:fld id="{B1477D7A-23E3-40F1-A159-7898D9412823}" type="datetimeFigureOut">
               <a:rPr lang="en-IN" smtClean="0"/>
-              <a:t>11-05-2020</a:t>
+              <a:t>19-05-2020</a:t>
             </a:fld>
             <a:endParaRPr lang="en-IN"/>
           </a:p>
@@ -923,7 +1058,7 @@
           <a:p>
             <a:fld id="{B1477D7A-23E3-40F1-A159-7898D9412823}" type="datetimeFigureOut">
               <a:rPr lang="en-IN" smtClean="0"/>
-              <a:t>11-05-2020</a:t>
+              <a:t>19-05-2020</a:t>
             </a:fld>
             <a:endParaRPr lang="en-IN"/>
           </a:p>
@@ -1123,7 +1258,7 @@
           <a:p>
             <a:fld id="{B1477D7A-23E3-40F1-A159-7898D9412823}" type="datetimeFigureOut">
               <a:rPr lang="en-IN" smtClean="0"/>
-              <a:t>11-05-2020</a:t>
+              <a:t>19-05-2020</a:t>
             </a:fld>
             <a:endParaRPr lang="en-IN"/>
           </a:p>
@@ -1399,7 +1534,7 @@
           <a:p>
             <a:fld id="{B1477D7A-23E3-40F1-A159-7898D9412823}" type="datetimeFigureOut">
               <a:rPr lang="en-IN" smtClean="0"/>
-              <a:t>11-05-2020</a:t>
+              <a:t>19-05-2020</a:t>
             </a:fld>
             <a:endParaRPr lang="en-IN"/>
           </a:p>
@@ -1667,7 +1802,7 @@
           <a:p>
             <a:fld id="{B1477D7A-23E3-40F1-A159-7898D9412823}" type="datetimeFigureOut">
               <a:rPr lang="en-IN" smtClean="0"/>
-              <a:t>11-05-2020</a:t>
+              <a:t>19-05-2020</a:t>
             </a:fld>
             <a:endParaRPr lang="en-IN"/>
           </a:p>
@@ -2082,7 +2217,7 @@
           <a:p>
             <a:fld id="{B1477D7A-23E3-40F1-A159-7898D9412823}" type="datetimeFigureOut">
               <a:rPr lang="en-IN" smtClean="0"/>
-              <a:t>11-05-2020</a:t>
+              <a:t>19-05-2020</a:t>
             </a:fld>
             <a:endParaRPr lang="en-IN"/>
           </a:p>
@@ -2224,7 +2359,7 @@
           <a:p>
             <a:fld id="{B1477D7A-23E3-40F1-A159-7898D9412823}" type="datetimeFigureOut">
               <a:rPr lang="en-IN" smtClean="0"/>
-              <a:t>11-05-2020</a:t>
+              <a:t>19-05-2020</a:t>
             </a:fld>
             <a:endParaRPr lang="en-IN"/>
           </a:p>
@@ -2337,7 +2472,7 @@
           <a:p>
             <a:fld id="{B1477D7A-23E3-40F1-A159-7898D9412823}" type="datetimeFigureOut">
               <a:rPr lang="en-IN" smtClean="0"/>
-              <a:t>11-05-2020</a:t>
+              <a:t>19-05-2020</a:t>
             </a:fld>
             <a:endParaRPr lang="en-IN"/>
           </a:p>
@@ -2650,7 +2785,7 @@
           <a:p>
             <a:fld id="{B1477D7A-23E3-40F1-A159-7898D9412823}" type="datetimeFigureOut">
               <a:rPr lang="en-IN" smtClean="0"/>
-              <a:t>11-05-2020</a:t>
+              <a:t>19-05-2020</a:t>
             </a:fld>
             <a:endParaRPr lang="en-IN"/>
           </a:p>
@@ -2939,7 +3074,7 @@
           <a:p>
             <a:fld id="{B1477D7A-23E3-40F1-A159-7898D9412823}" type="datetimeFigureOut">
               <a:rPr lang="en-IN" smtClean="0"/>
-              <a:t>11-05-2020</a:t>
+              <a:t>19-05-2020</a:t>
             </a:fld>
             <a:endParaRPr lang="en-IN"/>
           </a:p>
@@ -3182,7 +3317,7 @@
           <a:p>
             <a:fld id="{B1477D7A-23E3-40F1-A159-7898D9412823}" type="datetimeFigureOut">
               <a:rPr lang="en-IN" smtClean="0"/>
-              <a:t>11-05-2020</a:t>
+              <a:t>19-05-2020</a:t>
             </a:fld>
             <a:endParaRPr lang="en-IN"/>
           </a:p>
@@ -3750,12 +3885,6 @@
               <a:t>There are 29 column in the base dataset but we would process this to increase the column since the categorical columns would get added for each value.</a:t>
             </a:r>
           </a:p>
-          <a:p>
-            <a:r>
-              <a:rPr lang="en-IN" dirty="0"/>
-              <a:t>After dividing the categorical column types into various columns the total column size is 208</a:t>
-            </a:r>
-          </a:p>
         </p:txBody>
       </p:sp>
     </p:spTree>
@@ -4562,6 +4691,403 @@
     <p:extLst>
       <p:ext uri="{BB962C8B-B14F-4D97-AF65-F5344CB8AC3E}">
         <p14:creationId xmlns:p14="http://schemas.microsoft.com/office/powerpoint/2010/main" val="1876589771"/>
+      </p:ext>
+    </p:extLst>
+  </p:cSld>
+  <p:clrMapOvr>
+    <a:masterClrMapping/>
+  </p:clrMapOvr>
+</p:sld>
+</file>
+
+<file path=ppt/slides/slide8.xml><?xml version="1.0" encoding="utf-8"?>
+<p:sld xmlns:a="http://schemas.openxmlformats.org/drawingml/2006/main" xmlns:r="http://schemas.openxmlformats.org/officeDocument/2006/relationships" xmlns:p="http://schemas.openxmlformats.org/presentationml/2006/main">
+  <p:cSld>
+    <p:spTree>
+      <p:nvGrpSpPr>
+        <p:cNvPr id="1" name=""/>
+        <p:cNvGrpSpPr/>
+        <p:nvPr/>
+      </p:nvGrpSpPr>
+      <p:grpSpPr>
+        <a:xfrm>
+          <a:off x="0" y="0"/>
+          <a:ext cx="0" cy="0"/>
+          <a:chOff x="0" y="0"/>
+          <a:chExt cx="0" cy="0"/>
+        </a:xfrm>
+      </p:grpSpPr>
+      <p:sp>
+        <p:nvSpPr>
+          <p:cNvPr id="2" name="Title 1">
+            <a:extLst>
+              <a:ext uri="{FF2B5EF4-FFF2-40B4-BE49-F238E27FC236}">
+                <a16:creationId xmlns:a16="http://schemas.microsoft.com/office/drawing/2014/main" id="{F640F772-5792-4333-80B5-64BB39365E98}"/>
+              </a:ext>
+            </a:extLst>
+          </p:cNvPr>
+          <p:cNvSpPr>
+            <a:spLocks noGrp="1"/>
+          </p:cNvSpPr>
+          <p:nvPr>
+            <p:ph type="title"/>
+          </p:nvPr>
+        </p:nvSpPr>
+        <p:spPr/>
+        <p:txBody>
+          <a:bodyPr/>
+          <a:lstStyle/>
+          <a:p>
+            <a:r>
+              <a:rPr lang="en-IN" dirty="0"/>
+              <a:t>Pair Plots for correlated variables</a:t>
+            </a:r>
+          </a:p>
+        </p:txBody>
+      </p:sp>
+      <p:sp>
+        <p:nvSpPr>
+          <p:cNvPr id="7" name="Content Placeholder 6">
+            <a:extLst>
+              <a:ext uri="{FF2B5EF4-FFF2-40B4-BE49-F238E27FC236}">
+                <a16:creationId xmlns:a16="http://schemas.microsoft.com/office/drawing/2014/main" id="{3B74B8BE-2E52-428A-A7D2-70BA6AD01B6C}"/>
+              </a:ext>
+            </a:extLst>
+          </p:cNvPr>
+          <p:cNvSpPr>
+            <a:spLocks noGrp="1"/>
+          </p:cNvSpPr>
+          <p:nvPr>
+            <p:ph idx="1"/>
+          </p:nvPr>
+        </p:nvSpPr>
+        <p:spPr/>
+        <p:txBody>
+          <a:bodyPr>
+            <a:normAutofit/>
+          </a:bodyPr>
+          <a:lstStyle/>
+          <a:p>
+            <a:r>
+              <a:rPr lang="en-IN" sz="2000" dirty="0"/>
+              <a:t>As you see below the pair plot for high correlated items</a:t>
+            </a:r>
+          </a:p>
+          <a:p>
+            <a:r>
+              <a:rPr lang="en-US" sz="2000" dirty="0"/>
+              <a:t>Price increases with an increase in accommodates, bedrooms, bathrooms, beds and number of guests allowed. </a:t>
+            </a:r>
+            <a:endParaRPr lang="en-IN" sz="2000" dirty="0"/>
+          </a:p>
+        </p:txBody>
+      </p:sp>
+      <p:pic>
+        <p:nvPicPr>
+          <p:cNvPr id="9" name="Picture 8" descr="A screenshot of text&#10;&#10;Description automatically generated">
+            <a:extLst>
+              <a:ext uri="{FF2B5EF4-FFF2-40B4-BE49-F238E27FC236}">
+                <a16:creationId xmlns:a16="http://schemas.microsoft.com/office/drawing/2014/main" id="{ABD32F4F-CA3A-4CA8-B31A-AA1159465EE7}"/>
+              </a:ext>
+            </a:extLst>
+          </p:cNvPr>
+          <p:cNvPicPr>
+            <a:picLocks noChangeAspect="1"/>
+          </p:cNvPicPr>
+          <p:nvPr/>
+        </p:nvPicPr>
+        <p:blipFill>
+          <a:blip r:embed="rId2">
+            <a:extLst>
+              <a:ext uri="{28A0092B-C50C-407E-A947-70E740481C1C}">
+                <a14:useLocalDpi xmlns:a14="http://schemas.microsoft.com/office/drawing/2010/main" val="0"/>
+              </a:ext>
+            </a:extLst>
+          </a:blip>
+          <a:stretch>
+            <a:fillRect/>
+          </a:stretch>
+        </p:blipFill>
+        <p:spPr>
+          <a:xfrm>
+            <a:off x="1102360" y="2926080"/>
+            <a:ext cx="7462520" cy="3708400"/>
+          </a:xfrm>
+          <a:prstGeom prst="rect">
+            <a:avLst/>
+          </a:prstGeom>
+        </p:spPr>
+      </p:pic>
+    </p:spTree>
+    <p:extLst>
+      <p:ext uri="{BB962C8B-B14F-4D97-AF65-F5344CB8AC3E}">
+        <p14:creationId xmlns:p14="http://schemas.microsoft.com/office/powerpoint/2010/main" val="750143834"/>
+      </p:ext>
+    </p:extLst>
+  </p:cSld>
+  <p:clrMapOvr>
+    <a:masterClrMapping/>
+  </p:clrMapOvr>
+</p:sld>
+</file>
+
+<file path=ppt/slides/slide9.xml><?xml version="1.0" encoding="utf-8"?>
+<p:sld xmlns:a="http://schemas.openxmlformats.org/drawingml/2006/main" xmlns:r="http://schemas.openxmlformats.org/officeDocument/2006/relationships" xmlns:p="http://schemas.openxmlformats.org/presentationml/2006/main">
+  <p:cSld>
+    <p:spTree>
+      <p:nvGrpSpPr>
+        <p:cNvPr id="1" name=""/>
+        <p:cNvGrpSpPr/>
+        <p:nvPr/>
+      </p:nvGrpSpPr>
+      <p:grpSpPr>
+        <a:xfrm>
+          <a:off x="0" y="0"/>
+          <a:ext cx="0" cy="0"/>
+          <a:chOff x="0" y="0"/>
+          <a:chExt cx="0" cy="0"/>
+        </a:xfrm>
+      </p:grpSpPr>
+      <p:sp>
+        <p:nvSpPr>
+          <p:cNvPr id="2" name="Title 1">
+            <a:extLst>
+              <a:ext uri="{FF2B5EF4-FFF2-40B4-BE49-F238E27FC236}">
+                <a16:creationId xmlns:a16="http://schemas.microsoft.com/office/drawing/2014/main" id="{EF12E38C-471B-46BD-8D8E-BCA4FD803B17}"/>
+              </a:ext>
+            </a:extLst>
+          </p:cNvPr>
+          <p:cNvSpPr>
+            <a:spLocks noGrp="1"/>
+          </p:cNvSpPr>
+          <p:nvPr>
+            <p:ph type="title"/>
+          </p:nvPr>
+        </p:nvSpPr>
+        <p:spPr/>
+        <p:txBody>
+          <a:bodyPr/>
+          <a:lstStyle/>
+          <a:p>
+            <a:r>
+              <a:rPr lang="en-IN" dirty="0"/>
+              <a:t>Outlier</a:t>
+            </a:r>
+          </a:p>
+        </p:txBody>
+      </p:sp>
+      <p:sp>
+        <p:nvSpPr>
+          <p:cNvPr id="3" name="Content Placeholder 2">
+            <a:extLst>
+              <a:ext uri="{FF2B5EF4-FFF2-40B4-BE49-F238E27FC236}">
+                <a16:creationId xmlns:a16="http://schemas.microsoft.com/office/drawing/2014/main" id="{92C2DD75-BF1F-4686-8A4B-87123DE2A063}"/>
+              </a:ext>
+            </a:extLst>
+          </p:cNvPr>
+          <p:cNvSpPr>
+            <a:spLocks noGrp="1"/>
+          </p:cNvSpPr>
+          <p:nvPr>
+            <p:ph idx="1"/>
+          </p:nvPr>
+        </p:nvSpPr>
+        <p:spPr/>
+        <p:txBody>
+          <a:bodyPr/>
+          <a:lstStyle/>
+          <a:p>
+            <a:r>
+              <a:rPr lang="en-IN" dirty="0"/>
+              <a:t>We plot box plots to have a visual cue regarding the outliers</a:t>
+            </a:r>
+          </a:p>
+        </p:txBody>
+      </p:sp>
+      <p:pic>
+        <p:nvPicPr>
+          <p:cNvPr id="5" name="Picture 4" descr="A screenshot of a cell phone&#10;&#10;Description automatically generated">
+            <a:extLst>
+              <a:ext uri="{FF2B5EF4-FFF2-40B4-BE49-F238E27FC236}">
+                <a16:creationId xmlns:a16="http://schemas.microsoft.com/office/drawing/2014/main" id="{7D2DE3EE-440D-4F52-9AEE-96A4401756A7}"/>
+              </a:ext>
+            </a:extLst>
+          </p:cNvPr>
+          <p:cNvPicPr>
+            <a:picLocks noChangeAspect="1"/>
+          </p:cNvPicPr>
+          <p:nvPr/>
+        </p:nvPicPr>
+        <p:blipFill>
+          <a:blip r:embed="rId2">
+            <a:extLst>
+              <a:ext uri="{28A0092B-C50C-407E-A947-70E740481C1C}">
+                <a14:useLocalDpi xmlns:a14="http://schemas.microsoft.com/office/drawing/2010/main" val="0"/>
+              </a:ext>
+            </a:extLst>
+          </a:blip>
+          <a:stretch>
+            <a:fillRect/>
+          </a:stretch>
+        </p:blipFill>
+        <p:spPr>
+          <a:xfrm>
+            <a:off x="1085849" y="2428814"/>
+            <a:ext cx="2301963" cy="1588739"/>
+          </a:xfrm>
+          <a:prstGeom prst="rect">
+            <a:avLst/>
+          </a:prstGeom>
+        </p:spPr>
+      </p:pic>
+      <p:pic>
+        <p:nvPicPr>
+          <p:cNvPr id="7" name="Picture 6" descr="A screenshot of a cell phone&#10;&#10;Description automatically generated">
+            <a:extLst>
+              <a:ext uri="{FF2B5EF4-FFF2-40B4-BE49-F238E27FC236}">
+                <a16:creationId xmlns:a16="http://schemas.microsoft.com/office/drawing/2014/main" id="{A0456650-ACF5-4FFC-BEB3-A0A7886339FB}"/>
+              </a:ext>
+            </a:extLst>
+          </p:cNvPr>
+          <p:cNvPicPr>
+            <a:picLocks noChangeAspect="1"/>
+          </p:cNvPicPr>
+          <p:nvPr/>
+        </p:nvPicPr>
+        <p:blipFill>
+          <a:blip r:embed="rId3">
+            <a:extLst>
+              <a:ext uri="{28A0092B-C50C-407E-A947-70E740481C1C}">
+                <a14:useLocalDpi xmlns:a14="http://schemas.microsoft.com/office/drawing/2010/main" val="0"/>
+              </a:ext>
+            </a:extLst>
+          </a:blip>
+          <a:stretch>
+            <a:fillRect/>
+          </a:stretch>
+        </p:blipFill>
+        <p:spPr>
+          <a:xfrm>
+            <a:off x="3749039" y="2399618"/>
+            <a:ext cx="2444207" cy="1617935"/>
+          </a:xfrm>
+          <a:prstGeom prst="rect">
+            <a:avLst/>
+          </a:prstGeom>
+        </p:spPr>
+      </p:pic>
+      <p:pic>
+        <p:nvPicPr>
+          <p:cNvPr id="9" name="Picture 8" descr="A screenshot of a cell phone&#10;&#10;Description automatically generated">
+            <a:extLst>
+              <a:ext uri="{FF2B5EF4-FFF2-40B4-BE49-F238E27FC236}">
+                <a16:creationId xmlns:a16="http://schemas.microsoft.com/office/drawing/2014/main" id="{9C3E9AFB-96B2-4D24-A576-C6D4FB5EF85D}"/>
+              </a:ext>
+            </a:extLst>
+          </p:cNvPr>
+          <p:cNvPicPr>
+            <a:picLocks noChangeAspect="1"/>
+          </p:cNvPicPr>
+          <p:nvPr/>
+        </p:nvPicPr>
+        <p:blipFill>
+          <a:blip r:embed="rId4">
+            <a:extLst>
+              <a:ext uri="{28A0092B-C50C-407E-A947-70E740481C1C}">
+                <a14:useLocalDpi xmlns:a14="http://schemas.microsoft.com/office/drawing/2010/main" val="0"/>
+              </a:ext>
+            </a:extLst>
+          </a:blip>
+          <a:stretch>
+            <a:fillRect/>
+          </a:stretch>
+        </p:blipFill>
+        <p:spPr>
+          <a:xfrm>
+            <a:off x="6731175" y="2399618"/>
+            <a:ext cx="2444207" cy="1610456"/>
+          </a:xfrm>
+          <a:prstGeom prst="rect">
+            <a:avLst/>
+          </a:prstGeom>
+        </p:spPr>
+      </p:pic>
+      <p:pic>
+        <p:nvPicPr>
+          <p:cNvPr id="11" name="Picture 10" descr="A screenshot of a cell phone&#10;&#10;Description automatically generated">
+            <a:extLst>
+              <a:ext uri="{FF2B5EF4-FFF2-40B4-BE49-F238E27FC236}">
+                <a16:creationId xmlns:a16="http://schemas.microsoft.com/office/drawing/2014/main" id="{0363FC7B-68C5-497B-8855-C3DA1DE709C0}"/>
+              </a:ext>
+            </a:extLst>
+          </p:cNvPr>
+          <p:cNvPicPr>
+            <a:picLocks noChangeAspect="1"/>
+          </p:cNvPicPr>
+          <p:nvPr/>
+        </p:nvPicPr>
+        <p:blipFill>
+          <a:blip r:embed="rId5">
+            <a:extLst>
+              <a:ext uri="{28A0092B-C50C-407E-A947-70E740481C1C}">
+                <a14:useLocalDpi xmlns:a14="http://schemas.microsoft.com/office/drawing/2010/main" val="0"/>
+              </a:ext>
+            </a:extLst>
+          </a:blip>
+          <a:stretch>
+            <a:fillRect/>
+          </a:stretch>
+        </p:blipFill>
+        <p:spPr>
+          <a:xfrm>
+            <a:off x="1085849" y="4208882"/>
+            <a:ext cx="2446155" cy="1588739"/>
+          </a:xfrm>
+          <a:prstGeom prst="rect">
+            <a:avLst/>
+          </a:prstGeom>
+        </p:spPr>
+      </p:pic>
+      <p:pic>
+        <p:nvPicPr>
+          <p:cNvPr id="13" name="Picture 12" descr="A screenshot of a cell phone&#10;&#10;Description automatically generated">
+            <a:extLst>
+              <a:ext uri="{FF2B5EF4-FFF2-40B4-BE49-F238E27FC236}">
+                <a16:creationId xmlns:a16="http://schemas.microsoft.com/office/drawing/2014/main" id="{863265BC-128D-4CB2-899B-5181A86B73A9}"/>
+              </a:ext>
+            </a:extLst>
+          </p:cNvPr>
+          <p:cNvPicPr>
+            <a:picLocks noChangeAspect="1"/>
+          </p:cNvPicPr>
+          <p:nvPr/>
+        </p:nvPicPr>
+        <p:blipFill>
+          <a:blip r:embed="rId6">
+            <a:extLst>
+              <a:ext uri="{28A0092B-C50C-407E-A947-70E740481C1C}">
+                <a14:useLocalDpi xmlns:a14="http://schemas.microsoft.com/office/drawing/2010/main" val="0"/>
+              </a:ext>
+            </a:extLst>
+          </a:blip>
+          <a:stretch>
+            <a:fillRect/>
+          </a:stretch>
+        </p:blipFill>
+        <p:spPr>
+          <a:xfrm>
+            <a:off x="3749039" y="4163162"/>
+            <a:ext cx="2444207" cy="1630898"/>
+          </a:xfrm>
+          <a:prstGeom prst="rect">
+            <a:avLst/>
+          </a:prstGeom>
+        </p:spPr>
+      </p:pic>
+    </p:spTree>
+    <p:extLst>
+      <p:ext uri="{BB962C8B-B14F-4D97-AF65-F5344CB8AC3E}">
+        <p14:creationId xmlns:p14="http://schemas.microsoft.com/office/powerpoint/2010/main" val="2052646557"/>
       </p:ext>
     </p:extLst>
   </p:cSld>
